--- a/generated.pptx
+++ b/generated.pptx
@@ -13,13 +13,6 @@
     <p:sldId id="261" r:id="rId12"/>
     <p:sldId id="262" r:id="rId13"/>
     <p:sldId id="263" r:id="rId14"/>
-    <p:sldId id="264" r:id="rId15"/>
-    <p:sldId id="265" r:id="rId16"/>
-    <p:sldId id="266" r:id="rId17"/>
-    <p:sldId id="267" r:id="rId18"/>
-    <p:sldId id="268" r:id="rId19"/>
-    <p:sldId id="269" r:id="rId20"/>
-    <p:sldId id="270" r:id="rId21"/>
   </p:sldIdLst>
   <p:sldSz cx="9144000" cy="6858000" type="screen4x3"/>
   <p:notesSz cx="6858000" cy="9144000"/>
@@ -3118,7 +3111,7 @@
           <a:lstStyle/>
           <a:p>
             <a:r>
-              <a:t>Introduction to Python Numpy</a:t>
+              <a:t>Market Overview</a:t>
             </a:r>
           </a:p>
         </p:txBody>
@@ -3139,472 +3132,27 @@
           <a:lstStyle/>
           <a:p>
             <a:r>
-              <a:t>- Numpy is a powerful library for numerical computing in Python</a:t>
-            </a:r>
-          </a:p>
-          <a:p>
-            <a:r>
-              <a:t>- Provides support for multidimensional arrays and matrices</a:t>
-            </a:r>
-          </a:p>
-          <a:p>
-            <a:r>
-              <a:t>- Essential for scientific computing and data analysis</a:t>
-            </a:r>
-          </a:p>
-          <a:p>
-            <a:r>
-              <a:t>- Open-source and widely used in the Python community</a:t>
-            </a:r>
-          </a:p>
-        </p:txBody>
-      </p:sp>
-    </p:spTree>
-  </p:cSld>
-  <p:clrMapOvr>
-    <a:masterClrMapping/>
-  </p:clrMapOvr>
-</p:sld>
-</file>
-
-<file path=ppt/slides/slide10.xml><?xml version="1.0" encoding="utf-8"?>
-<p:sld xmlns:a="http://schemas.openxmlformats.org/drawingml/2006/main" xmlns:p="http://schemas.openxmlformats.org/presentationml/2006/main" xmlns:r="http://schemas.openxmlformats.org/officeDocument/2006/relationships">
-  <p:cSld>
-    <p:spTree>
-      <p:nvGrpSpPr>
-        <p:cNvPr id="1" name=""/>
-        <p:cNvGrpSpPr/>
-        <p:nvPr/>
-      </p:nvGrpSpPr>
-      <p:grpSpPr/>
-      <p:sp>
-        <p:nvSpPr>
-          <p:cNvPr id="2" name="Title 1"/>
-          <p:cNvSpPr>
-            <a:spLocks noGrp="1"/>
-          </p:cNvSpPr>
-          <p:nvPr>
-            <p:ph type="title"/>
-          </p:nvPr>
-        </p:nvSpPr>
-        <p:spPr/>
-        <p:txBody>
-          <a:bodyPr/>
-          <a:lstStyle/>
-          <a:p>
-            <a:r>
-              <a:t>Numpy Functions and Methods</a:t>
-            </a:r>
-          </a:p>
-        </p:txBody>
-      </p:sp>
-      <p:sp>
-        <p:nvSpPr>
-          <p:cNvPr id="3" name="Content Placeholder 2"/>
-          <p:cNvSpPr>
-            <a:spLocks noGrp="1"/>
-          </p:cNvSpPr>
-          <p:nvPr>
-            <p:ph idx="1"/>
-          </p:nvPr>
-        </p:nvSpPr>
-        <p:spPr/>
-        <p:txBody>
-          <a:bodyPr/>
-          <a:lstStyle/>
-          <a:p>
-            <a:r>
-              <a:t>- Numpy provides a wide range of functions and methods for array manipulation</a:t>
-            </a:r>
-          </a:p>
-          <a:p>
-            <a:r>
-              <a:t>- Array creation functions: np.array(), np.zeros(), np.ones(), np.arange()</a:t>
-            </a:r>
-          </a:p>
-          <a:p>
-            <a:r>
-              <a:t>- Math functions: np.sin(), np.cos(), np.sqrt(), np.exp()</a:t>
-            </a:r>
-          </a:p>
-          <a:p>
-            <a:r>
-              <a:t>- Array manipulation: np.reshape(), np.concatenate(), np.split()</a:t>
-            </a:r>
-          </a:p>
-          <a:p>
-            <a:r>
-              <a:t>- Statistical functions: np.mean(), np.std(), np.var()</a:t>
-            </a:r>
-          </a:p>
-        </p:txBody>
-      </p:sp>
-    </p:spTree>
-  </p:cSld>
-  <p:clrMapOvr>
-    <a:masterClrMapping/>
-  </p:clrMapOvr>
-</p:sld>
-</file>
-
-<file path=ppt/slides/slide11.xml><?xml version="1.0" encoding="utf-8"?>
-<p:sld xmlns:a="http://schemas.openxmlformats.org/drawingml/2006/main" xmlns:p="http://schemas.openxmlformats.org/presentationml/2006/main" xmlns:r="http://schemas.openxmlformats.org/officeDocument/2006/relationships">
-  <p:cSld>
-    <p:spTree>
-      <p:nvGrpSpPr>
-        <p:cNvPr id="1" name=""/>
-        <p:cNvGrpSpPr/>
-        <p:nvPr/>
-      </p:nvGrpSpPr>
-      <p:grpSpPr/>
-      <p:sp>
-        <p:nvSpPr>
-          <p:cNvPr id="2" name="Title 1"/>
-          <p:cNvSpPr>
-            <a:spLocks noGrp="1"/>
-          </p:cNvSpPr>
-          <p:nvPr>
-            <p:ph type="title"/>
-          </p:nvPr>
-        </p:nvSpPr>
-        <p:spPr/>
-        <p:txBody>
-          <a:bodyPr/>
-          <a:lstStyle/>
-          <a:p>
-            <a:r>
-              <a:t>Performance Optimization with Numpy</a:t>
-            </a:r>
-          </a:p>
-        </p:txBody>
-      </p:sp>
-      <p:sp>
-        <p:nvSpPr>
-          <p:cNvPr id="3" name="Content Placeholder 2"/>
-          <p:cNvSpPr>
-            <a:spLocks noGrp="1"/>
-          </p:cNvSpPr>
-          <p:nvPr>
-            <p:ph idx="1"/>
-          </p:nvPr>
-        </p:nvSpPr>
-        <p:spPr/>
-        <p:txBody>
-          <a:bodyPr/>
-          <a:lstStyle/>
-          <a:p>
-            <a:r>
-              <a:t>- Numpy is optimized for performance using vectorized operations</a:t>
-            </a:r>
-          </a:p>
-          <a:p>
-            <a:r>
-              <a:t>- Avoids traditional Python loops for element-wise operations</a:t>
-            </a:r>
-          </a:p>
-          <a:p>
-            <a:r>
-              <a:t>- Improves efficiency by leveraging C under the hood</a:t>
-            </a:r>
-          </a:p>
-          <a:p>
-            <a:r>
-              <a:t>- Suitable for handling large datasets and complex computations</a:t>
-            </a:r>
-          </a:p>
-        </p:txBody>
-      </p:sp>
-    </p:spTree>
-  </p:cSld>
-  <p:clrMapOvr>
-    <a:masterClrMapping/>
-  </p:clrMapOvr>
-</p:sld>
-</file>
-
-<file path=ppt/slides/slide12.xml><?xml version="1.0" encoding="utf-8"?>
-<p:sld xmlns:a="http://schemas.openxmlformats.org/drawingml/2006/main" xmlns:p="http://schemas.openxmlformats.org/presentationml/2006/main" xmlns:r="http://schemas.openxmlformats.org/officeDocument/2006/relationships">
-  <p:cSld>
-    <p:spTree>
-      <p:nvGrpSpPr>
-        <p:cNvPr id="1" name=""/>
-        <p:cNvGrpSpPr/>
-        <p:nvPr/>
-      </p:nvGrpSpPr>
-      <p:grpSpPr/>
-      <p:sp>
-        <p:nvSpPr>
-          <p:cNvPr id="2" name="Title 1"/>
-          <p:cNvSpPr>
-            <a:spLocks noGrp="1"/>
-          </p:cNvSpPr>
-          <p:nvPr>
-            <p:ph type="title"/>
-          </p:nvPr>
-        </p:nvSpPr>
-        <p:spPr/>
-        <p:txBody>
-          <a:bodyPr/>
-          <a:lstStyle/>
-          <a:p>
-            <a:r>
-              <a:t>Handling Missing Data</a:t>
-            </a:r>
-          </a:p>
-        </p:txBody>
-      </p:sp>
-      <p:sp>
-        <p:nvSpPr>
-          <p:cNvPr id="3" name="Content Placeholder 2"/>
-          <p:cNvSpPr>
-            <a:spLocks noGrp="1"/>
-          </p:cNvSpPr>
-          <p:nvPr>
-            <p:ph idx="1"/>
-          </p:nvPr>
-        </p:nvSpPr>
-        <p:spPr/>
-        <p:txBody>
-          <a:bodyPr/>
-          <a:lstStyle/>
-          <a:p>
-            <a:r>
-              <a:t>- Numpy allows handling missing data using numpy.nan</a:t>
-            </a:r>
-          </a:p>
-          <a:p>
-            <a:r>
-              <a:t>- np.isnan() function to check for NaN values</a:t>
-            </a:r>
-          </a:p>
-          <a:p>
-            <a:r>
-              <a:t>- Masked arrays: np.ma.masked</a:t>
-            </a:r>
-          </a:p>
-        </p:txBody>
-      </p:sp>
-    </p:spTree>
-  </p:cSld>
-  <p:clrMapOvr>
-    <a:masterClrMapping/>
-  </p:clrMapOvr>
-</p:sld>
-</file>
-
-<file path=ppt/slides/slide13.xml><?xml version="1.0" encoding="utf-8"?>
-<p:sld xmlns:a="http://schemas.openxmlformats.org/drawingml/2006/main" xmlns:p="http://schemas.openxmlformats.org/presentationml/2006/main" xmlns:r="http://schemas.openxmlformats.org/officeDocument/2006/relationships">
-  <p:cSld>
-    <p:spTree>
-      <p:nvGrpSpPr>
-        <p:cNvPr id="1" name=""/>
-        <p:cNvGrpSpPr/>
-        <p:nvPr/>
-      </p:nvGrpSpPr>
-      <p:grpSpPr/>
-      <p:sp>
-        <p:nvSpPr>
-          <p:cNvPr id="2" name="Title 1"/>
-          <p:cNvSpPr>
-            <a:spLocks noGrp="1"/>
-          </p:cNvSpPr>
-          <p:nvPr>
-            <p:ph type="title"/>
-          </p:nvPr>
-        </p:nvSpPr>
-        <p:spPr/>
-        <p:txBody>
-          <a:bodyPr/>
-          <a:lstStyle/>
-          <a:p>
-            <a:r>
-              <a:t>Numpy 'ufuncs'</a:t>
-            </a:r>
-          </a:p>
-        </p:txBody>
-      </p:sp>
-      <p:sp>
-        <p:nvSpPr>
-          <p:cNvPr id="3" name="Content Placeholder 2"/>
-          <p:cNvSpPr>
-            <a:spLocks noGrp="1"/>
-          </p:cNvSpPr>
-          <p:nvPr>
-            <p:ph idx="1"/>
-          </p:nvPr>
-        </p:nvSpPr>
-        <p:spPr/>
-        <p:txBody>
-          <a:bodyPr/>
-          <a:lstStyle/>
-          <a:p>
-            <a:r>
-              <a:t>- 'ufuncs' stand for universal functions in Numpy</a:t>
-            </a:r>
-          </a:p>
-          <a:p>
-            <a:r>
-              <a:t>- Perform element-wise operations on arrays</a:t>
-            </a:r>
-          </a:p>
-          <a:p>
-            <a:r>
-              <a:t>- Examples include np.add(), np.subtract(), np.multiply(), np.divide()</a:t>
-            </a:r>
-          </a:p>
-          <a:p>
-            <a:r>
-              <a:t>- Efficient computation due to vectorization and broadcasting</a:t>
-            </a:r>
-          </a:p>
-        </p:txBody>
-      </p:sp>
-    </p:spTree>
-  </p:cSld>
-  <p:clrMapOvr>
-    <a:masterClrMapping/>
-  </p:clrMapOvr>
-</p:sld>
-</file>
-
-<file path=ppt/slides/slide14.xml><?xml version="1.0" encoding="utf-8"?>
-<p:sld xmlns:a="http://schemas.openxmlformats.org/drawingml/2006/main" xmlns:p="http://schemas.openxmlformats.org/presentationml/2006/main" xmlns:r="http://schemas.openxmlformats.org/officeDocument/2006/relationships">
-  <p:cSld>
-    <p:spTree>
-      <p:nvGrpSpPr>
-        <p:cNvPr id="1" name=""/>
-        <p:cNvGrpSpPr/>
-        <p:nvPr/>
-      </p:nvGrpSpPr>
-      <p:grpSpPr/>
-      <p:sp>
-        <p:nvSpPr>
-          <p:cNvPr id="2" name="Title 1"/>
-          <p:cNvSpPr>
-            <a:spLocks noGrp="1"/>
-          </p:cNvSpPr>
-          <p:nvPr>
-            <p:ph type="title"/>
-          </p:nvPr>
-        </p:nvSpPr>
-        <p:spPr/>
-        <p:txBody>
-          <a:bodyPr/>
-          <a:lstStyle/>
-          <a:p>
-            <a:r>
-              <a:t>Working with Multi-dimensional Arrays</a:t>
-            </a:r>
-          </a:p>
-        </p:txBody>
-      </p:sp>
-      <p:sp>
-        <p:nvSpPr>
-          <p:cNvPr id="3" name="Content Placeholder 2"/>
-          <p:cNvSpPr>
-            <a:spLocks noGrp="1"/>
-          </p:cNvSpPr>
-          <p:nvPr>
-            <p:ph idx="1"/>
-          </p:nvPr>
-        </p:nvSpPr>
-        <p:spPr/>
-        <p:txBody>
-          <a:bodyPr/>
-          <a:lstStyle/>
-          <a:p>
-            <a:r>
-              <a:t>- Numpy supports multi-dimensional arrays with any number of dimensions</a:t>
-            </a:r>
-          </a:p>
-          <a:p>
-            <a:r>
-              <a:t>- Access elements using multiple indexes for each dimension</a:t>
-            </a:r>
-          </a:p>
-          <a:p>
-            <a:r>
-              <a:t>- Example: 3D array for representing volumetric data</a:t>
-            </a:r>
-          </a:p>
-          <a:p>
-            <a:r>
-              <a:t>- Useful for mathematical operations and image processing</a:t>
-            </a:r>
-          </a:p>
-        </p:txBody>
-      </p:sp>
-    </p:spTree>
-  </p:cSld>
-  <p:clrMapOvr>
-    <a:masterClrMapping/>
-  </p:clrMapOvr>
-</p:sld>
-</file>
-
-<file path=ppt/slides/slide15.xml><?xml version="1.0" encoding="utf-8"?>
-<p:sld xmlns:a="http://schemas.openxmlformats.org/drawingml/2006/main" xmlns:p="http://schemas.openxmlformats.org/presentationml/2006/main" xmlns:r="http://schemas.openxmlformats.org/officeDocument/2006/relationships">
-  <p:cSld>
-    <p:spTree>
-      <p:nvGrpSpPr>
-        <p:cNvPr id="1" name=""/>
-        <p:cNvGrpSpPr/>
-        <p:nvPr/>
-      </p:nvGrpSpPr>
-      <p:grpSpPr/>
-      <p:sp>
-        <p:nvSpPr>
-          <p:cNvPr id="2" name="Title 1"/>
-          <p:cNvSpPr>
-            <a:spLocks noGrp="1"/>
-          </p:cNvSpPr>
-          <p:nvPr>
-            <p:ph type="title"/>
-          </p:nvPr>
-        </p:nvSpPr>
-        <p:spPr/>
-        <p:txBody>
-          <a:bodyPr/>
-          <a:lstStyle/>
-          <a:p>
-            <a:r>
-              <a:t>Numpy Advantages and Use Cases</a:t>
-            </a:r>
-          </a:p>
-        </p:txBody>
-      </p:sp>
-      <p:sp>
-        <p:nvSpPr>
-          <p:cNvPr id="3" name="Content Placeholder 2"/>
-          <p:cNvSpPr>
-            <a:spLocks noGrp="1"/>
-          </p:cNvSpPr>
-          <p:nvPr>
-            <p:ph idx="1"/>
-          </p:nvPr>
-        </p:nvSpPr>
-        <p:spPr/>
-        <p:txBody>
-          <a:bodyPr/>
-          <a:lstStyle/>
-          <a:p>
-            <a:r>
-              <a:t>- Numpy is essential for numerical computing and data analysis in Python</a:t>
-            </a:r>
-          </a:p>
-          <a:p>
-            <a:r>
-              <a:t>- Advantages include fast computation, efficient memory usage, and optimized performance</a:t>
-            </a:r>
-          </a:p>
-          <a:p>
-            <a:r>
-              <a:t>- Widely used in scientific research, data science, machine learning, and more</a:t>
-            </a:r>
-          </a:p>
-          <a:p>
-            <a:r>
-              <a:t>- Used for handling large datasets, mathematical operations, and complex analyses</a:t>
+              <a:t>- Rapid growth in e-commerce and delivery services  </a:t>
+            </a:r>
+          </a:p>
+          <a:p>
+            <a:r>
+              <a:t>- Increasing consumer demand for faster delivery options  </a:t>
+            </a:r>
+          </a:p>
+          <a:p>
+            <a:r>
+              <a:t>- Adoption of drone technology in logistics and retail  </a:t>
+            </a:r>
+          </a:p>
+          <a:p>
+            <a:r>
+              <a:t>- Competitive landscape including other retailers and delivery companies  </a:t>
+            </a:r>
+          </a:p>
+          <a:p>
+            <a:r>
+              <a:t>- Regulatory environment impacting drone usage</a:t>
             </a:r>
           </a:p>
         </p:txBody>
@@ -3643,7 +3191,7 @@
           <a:lstStyle/>
           <a:p>
             <a:r>
-              <a:t>Installing Numpy</a:t>
+              <a:t>Target Audience</a:t>
             </a:r>
           </a:p>
         </p:txBody>
@@ -3664,12 +3212,27 @@
           <a:lstStyle/>
           <a:p>
             <a:r>
-              <a:t>- Install Numpy using pip: 'pip install numpy'</a:t>
-            </a:r>
-          </a:p>
-          <a:p>
-            <a:r>
-              <a:t>- Check installed Numpy version with 'import numpy; print(numpy.</a:t>
+              <a:t>- Primary audience: Tech-savvy millennials and Gen Z  </a:t>
+            </a:r>
+          </a:p>
+          <a:p>
+            <a:r>
+              <a:t>- Secondary audience: Busy professionals and families  </a:t>
+            </a:r>
+          </a:p>
+          <a:p>
+            <a:r>
+              <a:t>- Geographic focus: Urban and suburban areas with high order volumes  </a:t>
+            </a:r>
+          </a:p>
+          <a:p>
+            <a:r>
+              <a:t>- Behavioral insights: Preference for convenience and speed in shopping  </a:t>
+            </a:r>
+          </a:p>
+          <a:p>
+            <a:r>
+              <a:t>- Environmental concerns driving interest in sustainable delivery options</a:t>
             </a:r>
           </a:p>
         </p:txBody>
@@ -3708,7 +3271,7 @@
           <a:lstStyle/>
           <a:p>
             <a:r>
-              <a:t>Numpy Arrays</a:t>
+              <a:t>Value Proposition</a:t>
             </a:r>
           </a:p>
         </p:txBody>
@@ -3729,22 +3292,27 @@
           <a:lstStyle/>
           <a:p>
             <a:r>
-              <a:t>- Numpy arrays are the core data structure in Numpy</a:t>
-            </a:r>
-          </a:p>
-          <a:p>
-            <a:r>
-              <a:t>- Arrays can have any number of dimensions</a:t>
-            </a:r>
-          </a:p>
-          <a:p>
-            <a:r>
-              <a:t>- Homogeneous data types within an array</a:t>
-            </a:r>
-          </a:p>
-          <a:p>
-            <a:r>
-              <a:t>- Can perform efficient element-wise operations</a:t>
+              <a:t>- Speed: Deliver products within 30 minutes of order placement  </a:t>
+            </a:r>
+          </a:p>
+          <a:p>
+            <a:r>
+              <a:t>- Convenience: Doorstep delivery without human contact  </a:t>
+            </a:r>
+          </a:p>
+          <a:p>
+            <a:r>
+              <a:t>- Sustainability: Lower carbon footprint compared to traditional delivery  </a:t>
+            </a:r>
+          </a:p>
+          <a:p>
+            <a:r>
+              <a:t>- Accessibility: Reach customers in hard-to-access areas  </a:t>
+            </a:r>
+          </a:p>
+          <a:p>
+            <a:r>
+              <a:t>- Innovation: Strength and credibility of IKEA brand in offering cutting-edge solutions</a:t>
             </a:r>
           </a:p>
         </p:txBody>
@@ -3783,7 +3351,7 @@
           <a:lstStyle/>
           <a:p>
             <a:r>
-              <a:t>Indexing and Slicing</a:t>
+              <a:t>Operational Strategy</a:t>
             </a:r>
           </a:p>
         </p:txBody>
@@ -3804,22 +3372,27 @@
           <a:lstStyle/>
           <a:p>
             <a:r>
-              <a:t>- Indexing starts at 0 like regular Python lists</a:t>
-            </a:r>
-          </a:p>
-          <a:p>
-            <a:r>
-              <a:t>- Accessing elements using indexes: array[0], array[1:3]</a:t>
-            </a:r>
-          </a:p>
-          <a:p>
-            <a:r>
-              <a:t>- Slicing allows selecting subsets of arrays</a:t>
-            </a:r>
-          </a:p>
-          <a:p>
-            <a:r>
-              <a:t>- Negative indexes count from the end of the array</a:t>
+              <a:t>- Partner with local logistics providers for infrastructure  </a:t>
+            </a:r>
+          </a:p>
+          <a:p>
+            <a:r>
+              <a:t>- Develop a network of drone landing zones for efficient pickups and drop-offs  </a:t>
+            </a:r>
+          </a:p>
+          <a:p>
+            <a:r>
+              <a:t>- Implement a robust technology stack for order processing and tracking  </a:t>
+            </a:r>
+          </a:p>
+          <a:p>
+            <a:r>
+              <a:t>- Ensure compliance with aviation regulations and safety standards  </a:t>
+            </a:r>
+          </a:p>
+          <a:p>
+            <a:r>
+              <a:t>- Train staff and customers on how to use the drone delivery service</a:t>
             </a:r>
           </a:p>
         </p:txBody>
@@ -3858,7 +3431,7 @@
           <a:lstStyle/>
           <a:p>
             <a:r>
-              <a:t>Numpy Operations</a:t>
+              <a:t>Marketing Approach</a:t>
             </a:r>
           </a:p>
         </p:txBody>
@@ -3879,22 +3452,27 @@
           <a:lstStyle/>
           <a:p>
             <a:r>
-              <a:t>- Arithmetic operations: addition, subtraction, multiplication, division</a:t>
-            </a:r>
-          </a:p>
-          <a:p>
-            <a:r>
-              <a:t>- Element-wise operations: np.add(), np.subtract(), np.multiply(), np.divide()</a:t>
-            </a:r>
-          </a:p>
-          <a:p>
-            <a:r>
-              <a:t>- Aggregation functions: sum, min, max, mean, median</a:t>
-            </a:r>
-          </a:p>
-          <a:p>
-            <a:r>
-              <a:t>- Broadcasting: performing operations on arrays of different shapes</a:t>
+              <a:t>- Multi-channel marketing campaign (online and offline)  </a:t>
+            </a:r>
+          </a:p>
+          <a:p>
+            <a:r>
+              <a:t>- Collaborate with influencers and tech bloggers to drive awareness  </a:t>
+            </a:r>
+          </a:p>
+          <a:p>
+            <a:r>
+              <a:t>- Demonstrate drone delivery through live events and demonstrations  </a:t>
+            </a:r>
+          </a:p>
+          <a:p>
+            <a:r>
+              <a:t>- Use targeted digital advertising to reach key demographics  </a:t>
+            </a:r>
+          </a:p>
+          <a:p>
+            <a:r>
+              <a:t>- Leverage social media to highlight customer testimonials and success stories</a:t>
             </a:r>
           </a:p>
         </p:txBody>
@@ -3933,7 +3511,7 @@
           <a:lstStyle/>
           <a:p>
             <a:r>
-              <a:t>Random Number Generation</a:t>
+              <a:t>Key Partnerships</a:t>
             </a:r>
           </a:p>
         </p:txBody>
@@ -3954,27 +3532,27 @@
           <a:lstStyle/>
           <a:p>
             <a:r>
-              <a:t>- Numpy provides functions for random number generation</a:t>
-            </a:r>
-          </a:p>
-          <a:p>
-            <a:r>
-              <a:t>- np.random.rand() for uniform distribution</a:t>
-            </a:r>
-          </a:p>
-          <a:p>
-            <a:r>
-              <a:t>- np.random.randn() for standard normal distribution</a:t>
-            </a:r>
-          </a:p>
-          <a:p>
-            <a:r>
-              <a:t>- np.random.randint() for random integers</a:t>
-            </a:r>
-          </a:p>
-          <a:p>
-            <a:r>
-              <a:t>- Set seed for reproducibility using np.random.seed()</a:t>
+              <a:t>- Collaborate with drone manufacturers for tech innovation  </a:t>
+            </a:r>
+          </a:p>
+          <a:p>
+            <a:r>
+              <a:t>- Partner with local authorities to navigate regulations  </a:t>
+            </a:r>
+          </a:p>
+          <a:p>
+            <a:r>
+              <a:t>- Tie-up with delivery service platforms for last-mile logistics  </a:t>
+            </a:r>
+          </a:p>
+          <a:p>
+            <a:r>
+              <a:t>- Engage with sustainability organizations to enhance brand image  </a:t>
+            </a:r>
+          </a:p>
+          <a:p>
+            <a:r>
+              <a:t>- Work with data analytics firms to optimize operations</a:t>
             </a:r>
           </a:p>
         </p:txBody>
@@ -4013,7 +3591,7 @@
           <a:lstStyle/>
           <a:p>
             <a:r>
-              <a:t>Linear Algebra with Numpy</a:t>
+              <a:t>Financial Projections</a:t>
             </a:r>
           </a:p>
         </p:txBody>
@@ -4034,22 +3612,27 @@
           <a:lstStyle/>
           <a:p>
             <a:r>
-              <a:t>- Numpy provides functions for linear algebra operations</a:t>
-            </a:r>
-          </a:p>
-          <a:p>
-            <a:r>
-              <a:t>- Matrix multiplication: np.dot(), @ operator</a:t>
-            </a:r>
-          </a:p>
-          <a:p>
-            <a:r>
-              <a:t>- Eigenvalues and eigenvectors: np.linalg.eig()</a:t>
-            </a:r>
-          </a:p>
-          <a:p>
-            <a:r>
-              <a:t>- Solving linear equations: np.linalg.solve()</a:t>
+              <a:t>- Initial investment required for drone fleet and technology  </a:t>
+            </a:r>
+          </a:p>
+          <a:p>
+            <a:r>
+              <a:t>- Expected return on investment (ROI) within the first 3 years  </a:t>
+            </a:r>
+          </a:p>
+          <a:p>
+            <a:r>
+              <a:t>- Revenue growth through increased sales and customer acquisition  </a:t>
+            </a:r>
+          </a:p>
+          <a:p>
+            <a:r>
+              <a:t>- Cost savings from decreased labor and fuel expenses over time  </a:t>
+            </a:r>
+          </a:p>
+          <a:p>
+            <a:r>
+              <a:t>- Long-term financial benefits from strengthening IKEA’s market position</a:t>
             </a:r>
           </a:p>
         </p:txBody>
@@ -4088,7 +3671,7 @@
           <a:lstStyle/>
           <a:p>
             <a:r>
-              <a:t>Data Analysis with Numpy</a:t>
+              <a:t>Implementation Timeline</a:t>
             </a:r>
           </a:p>
         </p:txBody>
@@ -4109,92 +3692,27 @@
           <a:lstStyle/>
           <a:p>
             <a:r>
-              <a:t>- Numpy is widely used for data manipulation and analysis</a:t>
-            </a:r>
-          </a:p>
-          <a:p>
-            <a:r>
-              <a:t>- Statistics functions: mean, median, standard deviation, variance</a:t>
-            </a:r>
-          </a:p>
-          <a:p>
-            <a:r>
-              <a:t>- Filtering data: np.where(), np.logical</a:t>
-            </a:r>
-          </a:p>
-        </p:txBody>
-      </p:sp>
-    </p:spTree>
-  </p:cSld>
-  <p:clrMapOvr>
-    <a:masterClrMapping/>
-  </p:clrMapOvr>
-</p:sld>
-</file>
-
-<file path=ppt/slides/slide9.xml><?xml version="1.0" encoding="utf-8"?>
-<p:sld xmlns:a="http://schemas.openxmlformats.org/drawingml/2006/main" xmlns:p="http://schemas.openxmlformats.org/presentationml/2006/main" xmlns:r="http://schemas.openxmlformats.org/officeDocument/2006/relationships">
-  <p:cSld>
-    <p:spTree>
-      <p:nvGrpSpPr>
-        <p:cNvPr id="1" name=""/>
-        <p:cNvGrpSpPr/>
-        <p:nvPr/>
-      </p:nvGrpSpPr>
-      <p:grpSpPr/>
-      <p:sp>
-        <p:nvSpPr>
-          <p:cNvPr id="2" name="Title 1"/>
-          <p:cNvSpPr>
-            <a:spLocks noGrp="1"/>
-          </p:cNvSpPr>
-          <p:nvPr>
-            <p:ph type="title"/>
-          </p:nvPr>
-        </p:nvSpPr>
-        <p:spPr/>
-        <p:txBody>
-          <a:bodyPr/>
-          <a:lstStyle/>
-          <a:p>
-            <a:r>
-              <a:t>Broadcasting in Numpy</a:t>
-            </a:r>
-          </a:p>
-        </p:txBody>
-      </p:sp>
-      <p:sp>
-        <p:nvSpPr>
-          <p:cNvPr id="3" name="Content Placeholder 2"/>
-          <p:cNvSpPr>
-            <a:spLocks noGrp="1"/>
-          </p:cNvSpPr>
-          <p:nvPr>
-            <p:ph idx="1"/>
-          </p:nvPr>
-        </p:nvSpPr>
-        <p:spPr/>
-        <p:txBody>
-          <a:bodyPr/>
-          <a:lstStyle/>
-          <a:p>
-            <a:r>
-              <a:t>- Broadcasting allows performing operations on arrays of different shapes</a:t>
-            </a:r>
-          </a:p>
-          <a:p>
-            <a:r>
-              <a:t>- Arrays are broadcasted to have compatible shapes before performing operations</a:t>
-            </a:r>
-          </a:p>
-          <a:p>
-            <a:r>
-              <a:t>- Helps avoid looping over elements for element-wise operations</a:t>
-            </a:r>
-          </a:p>
-          <a:p>
-            <a:r>
-              <a:t>- Useful for arithmetic operations on arrays of different dimensions</a:t>
+              <a:t>- Phase 1: Research &amp; Development (0-6 months)  </a:t>
+            </a:r>
+          </a:p>
+          <a:p>
+            <a:r>
+              <a:t>- Phase 2: Pilot program launch in select cities (6-12 months)  </a:t>
+            </a:r>
+          </a:p>
+          <a:p>
+            <a:r>
+              <a:t>- Phase 3: Full-scale rollout across urban areas (12-24 months)  </a:t>
+            </a:r>
+          </a:p>
+          <a:p>
+            <a:r>
+              <a:t>- Phase 4: Evaluation and iterative enhancements (24+ months)  </a:t>
+            </a:r>
+          </a:p>
+          <a:p>
+            <a:r>
+              <a:t>- Continuous monitoring of market feedback and operational challenges</a:t>
             </a:r>
           </a:p>
         </p:txBody>

--- a/generated.pptx
+++ b/generated.pptx
@@ -13,6 +13,8 @@
     <p:sldId id="261" r:id="rId12"/>
     <p:sldId id="262" r:id="rId13"/>
     <p:sldId id="263" r:id="rId14"/>
+    <p:sldId id="264" r:id="rId15"/>
+    <p:sldId id="265" r:id="rId16"/>
   </p:sldIdLst>
   <p:sldSz cx="9144000" cy="6858000" type="screen4x3"/>
   <p:notesSz cx="6858000" cy="9144000"/>
@@ -3132,27 +3134,107 @@
           <a:lstStyle/>
           <a:p>
             <a:r>
-              <a:t>- Rapid growth in e-commerce and delivery services  </a:t>
-            </a:r>
-          </a:p>
-          <a:p>
-            <a:r>
-              <a:t>- Increasing consumer demand for faster delivery options  </a:t>
-            </a:r>
-          </a:p>
-          <a:p>
-            <a:r>
-              <a:t>- Adoption of drone technology in logistics and retail  </a:t>
-            </a:r>
-          </a:p>
-          <a:p>
-            <a:r>
-              <a:t>- Competitive landscape including other retailers and delivery companies  </a:t>
-            </a:r>
-          </a:p>
-          <a:p>
-            <a:r>
-              <a:t>- Regulatory environment impacting drone usage</a:t>
+              <a:t>- Rapid growth of the drone delivery market, expected to reach USD 40 billion by 2026.  </a:t>
+            </a:r>
+          </a:p>
+          <a:p>
+            <a:r>
+              <a:t>- Increasing consumer demand for faster delivery services.  </a:t>
+            </a:r>
+          </a:p>
+          <a:p>
+            <a:r>
+              <a:t>- Amazon's competitive positioning against traditional logistics.  </a:t>
+            </a:r>
+          </a:p>
+          <a:p>
+            <a:r>
+              <a:t>- Regulatory landscape evolving to facilitate drone delivery.  </a:t>
+            </a:r>
+          </a:p>
+          <a:p>
+            <a:r>
+              <a:t>- Key demographics: urban populations, tech-savvy consumers, and businesses focusing on efficiency.</a:t>
+            </a:r>
+          </a:p>
+        </p:txBody>
+      </p:sp>
+    </p:spTree>
+  </p:cSld>
+  <p:clrMapOvr>
+    <a:masterClrMapping/>
+  </p:clrMapOvr>
+</p:sld>
+</file>
+
+<file path=ppt/slides/slide10.xml><?xml version="1.0" encoding="utf-8"?>
+<p:sld xmlns:a="http://schemas.openxmlformats.org/drawingml/2006/main" xmlns:p="http://schemas.openxmlformats.org/presentationml/2006/main" xmlns:r="http://schemas.openxmlformats.org/officeDocument/2006/relationships">
+  <p:cSld>
+    <p:spTree>
+      <p:nvGrpSpPr>
+        <p:cNvPr id="1" name=""/>
+        <p:cNvGrpSpPr/>
+        <p:nvPr/>
+      </p:nvGrpSpPr>
+      <p:grpSpPr/>
+      <p:sp>
+        <p:nvSpPr>
+          <p:cNvPr id="2" name="Title 1"/>
+          <p:cNvSpPr>
+            <a:spLocks noGrp="1"/>
+          </p:cNvSpPr>
+          <p:nvPr>
+            <p:ph type="title"/>
+          </p:nvPr>
+        </p:nvSpPr>
+        <p:spPr/>
+        <p:txBody>
+          <a:bodyPr/>
+          <a:lstStyle/>
+          <a:p>
+            <a:r>
+              <a:t>Future Outlook</a:t>
+            </a:r>
+          </a:p>
+        </p:txBody>
+      </p:sp>
+      <p:sp>
+        <p:nvSpPr>
+          <p:cNvPr id="3" name="Content Placeholder 2"/>
+          <p:cNvSpPr>
+            <a:spLocks noGrp="1"/>
+          </p:cNvSpPr>
+          <p:nvPr>
+            <p:ph idx="1"/>
+          </p:nvPr>
+        </p:nvSpPr>
+        <p:spPr/>
+        <p:txBody>
+          <a:bodyPr/>
+          <a:lstStyle/>
+          <a:p>
+            <a:r>
+              <a:t>- Expansion plans for additional cities once successful pilots are established.  </a:t>
+            </a:r>
+          </a:p>
+          <a:p>
+            <a:r>
+              <a:t>- Continuous improvement of drone technology for increased payload capacity.  </a:t>
+            </a:r>
+          </a:p>
+          <a:p>
+            <a:r>
+              <a:t>- Potential for integration with autonomous vehicle delivery systems.  </a:t>
+            </a:r>
+          </a:p>
+          <a:p>
+            <a:r>
+              <a:t>- Anticipation of new markets emerging as legislation adapts.  </a:t>
+            </a:r>
+          </a:p>
+          <a:p>
+            <a:r>
+              <a:t>- Vision of transforming last-mile logistics through innovation and efficiency.</a:t>
             </a:r>
           </a:p>
         </p:txBody>
@@ -3191,7 +3273,7 @@
           <a:lstStyle/>
           <a:p>
             <a:r>
-              <a:t>Target Audience</a:t>
+              <a:t>Value Proposition</a:t>
             </a:r>
           </a:p>
         </p:txBody>
@@ -3212,27 +3294,27 @@
           <a:lstStyle/>
           <a:p>
             <a:r>
-              <a:t>- Primary audience: Tech-savvy millennials and Gen Z  </a:t>
-            </a:r>
-          </a:p>
-          <a:p>
-            <a:r>
-              <a:t>- Secondary audience: Busy professionals and families  </a:t>
-            </a:r>
-          </a:p>
-          <a:p>
-            <a:r>
-              <a:t>- Geographic focus: Urban and suburban areas with high order volumes  </a:t>
-            </a:r>
-          </a:p>
-          <a:p>
-            <a:r>
-              <a:t>- Behavioral insights: Preference for convenience and speed in shopping  </a:t>
-            </a:r>
-          </a:p>
-          <a:p>
-            <a:r>
-              <a:t>- Environmental concerns driving interest in sustainable delivery options</a:t>
+              <a:t>- Unmatched speed: Deliver packages within 30 minutes.  </a:t>
+            </a:r>
+          </a:p>
+          <a:p>
+            <a:r>
+              <a:t>- Enhanced convenience: Doorstep delivery for urban customers.  </a:t>
+            </a:r>
+          </a:p>
+          <a:p>
+            <a:r>
+              <a:t>- Cost-effective solutions leveraging Amazon's existing logistics network.  </a:t>
+            </a:r>
+          </a:p>
+          <a:p>
+            <a:r>
+              <a:t>- Environmentally friendly option promoting reduced vehicle emissions.  </a:t>
+            </a:r>
+          </a:p>
+          <a:p>
+            <a:r>
+              <a:t>- Elevated customer experience with real-time tracking features.</a:t>
             </a:r>
           </a:p>
         </p:txBody>
@@ -3271,7 +3353,7 @@
           <a:lstStyle/>
           <a:p>
             <a:r>
-              <a:t>Value Proposition</a:t>
+              <a:t>Target Market Segmentation</a:t>
             </a:r>
           </a:p>
         </p:txBody>
@@ -3292,27 +3374,27 @@
           <a:lstStyle/>
           <a:p>
             <a:r>
-              <a:t>- Speed: Deliver products within 30 minutes of order placement  </a:t>
-            </a:r>
-          </a:p>
-          <a:p>
-            <a:r>
-              <a:t>- Convenience: Doorstep delivery without human contact  </a:t>
-            </a:r>
-          </a:p>
-          <a:p>
-            <a:r>
-              <a:t>- Sustainability: Lower carbon footprint compared to traditional delivery  </a:t>
-            </a:r>
-          </a:p>
-          <a:p>
-            <a:r>
-              <a:t>- Accessibility: Reach customers in hard-to-access areas  </a:t>
-            </a:r>
-          </a:p>
-          <a:p>
-            <a:r>
-              <a:t>- Innovation: Strength and credibility of IKEA brand in offering cutting-edge solutions</a:t>
+              <a:t>- Urban areas with high population density.  </a:t>
+            </a:r>
+          </a:p>
+          <a:p>
+            <a:r>
+              <a:t>- Targeting tech-savvy millennials and Gen Z customers.  </a:t>
+            </a:r>
+          </a:p>
+          <a:p>
+            <a:r>
+              <a:t>- Small to medium-sized enterprises (SMEs) requiring quick delivery.  </a:t>
+            </a:r>
+          </a:p>
+          <a:p>
+            <a:r>
+              <a:t>- Focus on essential goods such as medical supplies and groceries.  </a:t>
+            </a:r>
+          </a:p>
+          <a:p>
+            <a:r>
+              <a:t>- Geographic focus: Starting pilot programs in select metropolitan areas.</a:t>
             </a:r>
           </a:p>
         </p:txBody>
@@ -3351,7 +3433,7 @@
           <a:lstStyle/>
           <a:p>
             <a:r>
-              <a:t>Operational Strategy</a:t>
+              <a:t>Regulatory Challenges</a:t>
             </a:r>
           </a:p>
         </p:txBody>
@@ -3372,27 +3454,27 @@
           <a:lstStyle/>
           <a:p>
             <a:r>
-              <a:t>- Partner with local logistics providers for infrastructure  </a:t>
-            </a:r>
-          </a:p>
-          <a:p>
-            <a:r>
-              <a:t>- Develop a network of drone landing zones for efficient pickups and drop-offs  </a:t>
-            </a:r>
-          </a:p>
-          <a:p>
-            <a:r>
-              <a:t>- Implement a robust technology stack for order processing and tracking  </a:t>
-            </a:r>
-          </a:p>
-          <a:p>
-            <a:r>
-              <a:t>- Ensure compliance with aviation regulations and safety standards  </a:t>
-            </a:r>
-          </a:p>
-          <a:p>
-            <a:r>
-              <a:t>- Train staff and customers on how to use the drone delivery service</a:t>
+              <a:t>- Compliance with FAA drone regulations and local ordinances.  </a:t>
+            </a:r>
+          </a:p>
+          <a:p>
+            <a:r>
+              <a:t>- Navigating airspace restrictions over populated areas.  </a:t>
+            </a:r>
+          </a:p>
+          <a:p>
+            <a:r>
+              <a:t>- Need for public assurance regarding safety and privacy.  </a:t>
+            </a:r>
+          </a:p>
+          <a:p>
+            <a:r>
+              <a:t>- Ongoing collaboration with government bodies for rule-making.  </a:t>
+            </a:r>
+          </a:p>
+          <a:p>
+            <a:r>
+              <a:t>- Preparations for potential changes in regulations as technology evolves.</a:t>
             </a:r>
           </a:p>
         </p:txBody>
@@ -3431,7 +3513,7 @@
           <a:lstStyle/>
           <a:p>
             <a:r>
-              <a:t>Marketing Approach</a:t>
+              <a:t>Technological Infrastructure</a:t>
             </a:r>
           </a:p>
         </p:txBody>
@@ -3452,27 +3534,27 @@
           <a:lstStyle/>
           <a:p>
             <a:r>
-              <a:t>- Multi-channel marketing campaign (online and offline)  </a:t>
-            </a:r>
-          </a:p>
-          <a:p>
-            <a:r>
-              <a:t>- Collaborate with influencers and tech bloggers to drive awareness  </a:t>
-            </a:r>
-          </a:p>
-          <a:p>
-            <a:r>
-              <a:t>- Demonstrate drone delivery through live events and demonstrations  </a:t>
-            </a:r>
-          </a:p>
-          <a:p>
-            <a:r>
-              <a:t>- Use targeted digital advertising to reach key demographics  </a:t>
-            </a:r>
-          </a:p>
-          <a:p>
-            <a:r>
-              <a:t>- Leverage social media to highlight customer testimonials and success stories</a:t>
+              <a:t>- Innovative drone design for efficient flight and payload handling.  </a:t>
+            </a:r>
+          </a:p>
+          <a:p>
+            <a:r>
+              <a:t>- Integration of AI and machine learning for route optimization.  </a:t>
+            </a:r>
+          </a:p>
+          <a:p>
+            <a:r>
+              <a:t>- Robust tracking and monitoring systems to ensure safety.  </a:t>
+            </a:r>
+          </a:p>
+          <a:p>
+            <a:r>
+              <a:t>- Development of autonomous delivery mechanisms.  </a:t>
+            </a:r>
+          </a:p>
+          <a:p>
+            <a:r>
+              <a:t>- Continuous software updates to adapt to changing environments.</a:t>
             </a:r>
           </a:p>
         </p:txBody>
@@ -3511,7 +3593,7 @@
           <a:lstStyle/>
           <a:p>
             <a:r>
-              <a:t>Key Partnerships</a:t>
+              <a:t>Partnership Opportunities</a:t>
             </a:r>
           </a:p>
         </p:txBody>
@@ -3532,27 +3614,27 @@
           <a:lstStyle/>
           <a:p>
             <a:r>
-              <a:t>- Collaborate with drone manufacturers for tech innovation  </a:t>
-            </a:r>
-          </a:p>
-          <a:p>
-            <a:r>
-              <a:t>- Partner with local authorities to navigate regulations  </a:t>
-            </a:r>
-          </a:p>
-          <a:p>
-            <a:r>
-              <a:t>- Tie-up with delivery service platforms for last-mile logistics  </a:t>
-            </a:r>
-          </a:p>
-          <a:p>
-            <a:r>
-              <a:t>- Engage with sustainability organizations to enhance brand image  </a:t>
-            </a:r>
-          </a:p>
-          <a:p>
-            <a:r>
-              <a:t>- Work with data analytics firms to optimize operations</a:t>
+              <a:t>- Collaborations with local governments for pilot programs.  </a:t>
+            </a:r>
+          </a:p>
+          <a:p>
+            <a:r>
+              <a:t>- Engaging with e-commerce partners for integrated delivery services.  </a:t>
+            </a:r>
+          </a:p>
+          <a:p>
+            <a:r>
+              <a:t>- Potential alliances with tech companies for drone tech advancements.  </a:t>
+            </a:r>
+          </a:p>
+          <a:p>
+            <a:r>
+              <a:t>- Exploring partnerships with logistics firms for last-mile delivery.  </a:t>
+            </a:r>
+          </a:p>
+          <a:p>
+            <a:r>
+              <a:t>- Community engagement to build trust and support for drone initiatives.</a:t>
             </a:r>
           </a:p>
         </p:txBody>
@@ -3591,7 +3673,7 @@
           <a:lstStyle/>
           <a:p>
             <a:r>
-              <a:t>Financial Projections</a:t>
+              <a:t>Marketing Strategy</a:t>
             </a:r>
           </a:p>
         </p:txBody>
@@ -3612,27 +3694,27 @@
           <a:lstStyle/>
           <a:p>
             <a:r>
-              <a:t>- Initial investment required for drone fleet and technology  </a:t>
-            </a:r>
-          </a:p>
-          <a:p>
-            <a:r>
-              <a:t>- Expected return on investment (ROI) within the first 3 years  </a:t>
-            </a:r>
-          </a:p>
-          <a:p>
-            <a:r>
-              <a:t>- Revenue growth through increased sales and customer acquisition  </a:t>
-            </a:r>
-          </a:p>
-          <a:p>
-            <a:r>
-              <a:t>- Cost savings from decreased labor and fuel expenses over time  </a:t>
-            </a:r>
-          </a:p>
-          <a:p>
-            <a:r>
-              <a:t>- Long-term financial benefits from strengthening IKEA’s market position</a:t>
+              <a:t>- Multi-channel marketing campaign focusing on digital platforms.  </a:t>
+            </a:r>
+          </a:p>
+          <a:p>
+            <a:r>
+              <a:t>- Targeted promotions aimed at urban consumers interested in convenience.  </a:t>
+            </a:r>
+          </a:p>
+          <a:p>
+            <a:r>
+              <a:t>- Leveraging social media influencers to increase brand awareness.  </a:t>
+            </a:r>
+          </a:p>
+          <a:p>
+            <a:r>
+              <a:t>- Educational content highlighting drone delivery benefits and safety.  </a:t>
+            </a:r>
+          </a:p>
+          <a:p>
+            <a:r>
+              <a:t>- Engagement through local events showcasing drone technology and use cases.</a:t>
             </a:r>
           </a:p>
         </p:txBody>
@@ -3671,7 +3753,7 @@
           <a:lstStyle/>
           <a:p>
             <a:r>
-              <a:t>Implementation Timeline</a:t>
+              <a:t>Operational Logistics</a:t>
             </a:r>
           </a:p>
         </p:txBody>
@@ -3692,27 +3774,107 @@
           <a:lstStyle/>
           <a:p>
             <a:r>
-              <a:t>- Phase 1: Research &amp; Development (0-6 months)  </a:t>
-            </a:r>
-          </a:p>
-          <a:p>
-            <a:r>
-              <a:t>- Phase 2: Pilot program launch in select cities (6-12 months)  </a:t>
-            </a:r>
-          </a:p>
-          <a:p>
-            <a:r>
-              <a:t>- Phase 3: Full-scale rollout across urban areas (12-24 months)  </a:t>
-            </a:r>
-          </a:p>
-          <a:p>
-            <a:r>
-              <a:t>- Phase 4: Evaluation and iterative enhancements (24+ months)  </a:t>
-            </a:r>
-          </a:p>
-          <a:p>
-            <a:r>
-              <a:t>- Continuous monitoring of market feedback and operational challenges</a:t>
+              <a:t>- Establishing drone delivery hubs in strategic locations.  </a:t>
+            </a:r>
+          </a:p>
+          <a:p>
+            <a:r>
+              <a:t>- Coordination of flights to avoid congestion and interference.  </a:t>
+            </a:r>
+          </a:p>
+          <a:p>
+            <a:r>
+              <a:t>- Integration with Amazon's existing logistics and fulfillment networks.  </a:t>
+            </a:r>
+          </a:p>
+          <a:p>
+            <a:r>
+              <a:t>- Building a fleet of drones capable of variable payloads and distances.  </a:t>
+            </a:r>
+          </a:p>
+          <a:p>
+            <a:r>
+              <a:t>- Implementation of robust customer support systems to handle inquiries.</a:t>
+            </a:r>
+          </a:p>
+        </p:txBody>
+      </p:sp>
+    </p:spTree>
+  </p:cSld>
+  <p:clrMapOvr>
+    <a:masterClrMapping/>
+  </p:clrMapOvr>
+</p:sld>
+</file>
+
+<file path=ppt/slides/slide9.xml><?xml version="1.0" encoding="utf-8"?>
+<p:sld xmlns:a="http://schemas.openxmlformats.org/drawingml/2006/main" xmlns:p="http://schemas.openxmlformats.org/presentationml/2006/main" xmlns:r="http://schemas.openxmlformats.org/officeDocument/2006/relationships">
+  <p:cSld>
+    <p:spTree>
+      <p:nvGrpSpPr>
+        <p:cNvPr id="1" name=""/>
+        <p:cNvGrpSpPr/>
+        <p:nvPr/>
+      </p:nvGrpSpPr>
+      <p:grpSpPr/>
+      <p:sp>
+        <p:nvSpPr>
+          <p:cNvPr id="2" name="Title 1"/>
+          <p:cNvSpPr>
+            <a:spLocks noGrp="1"/>
+          </p:cNvSpPr>
+          <p:nvPr>
+            <p:ph type="title"/>
+          </p:nvPr>
+        </p:nvSpPr>
+        <p:spPr/>
+        <p:txBody>
+          <a:bodyPr/>
+          <a:lstStyle/>
+          <a:p>
+            <a:r>
+              <a:t>Financial Projections</a:t>
+            </a:r>
+          </a:p>
+        </p:txBody>
+      </p:sp>
+      <p:sp>
+        <p:nvSpPr>
+          <p:cNvPr id="3" name="Content Placeholder 2"/>
+          <p:cNvSpPr>
+            <a:spLocks noGrp="1"/>
+          </p:cNvSpPr>
+          <p:nvPr>
+            <p:ph idx="1"/>
+          </p:nvPr>
+        </p:nvSpPr>
+        <p:spPr/>
+        <p:txBody>
+          <a:bodyPr/>
+          <a:lstStyle/>
+          <a:p>
+            <a:r>
+              <a:t>- Initial investment for drone technology and infrastructure estimated at $XX million.  </a:t>
+            </a:r>
+          </a:p>
+          <a:p>
+            <a:r>
+              <a:t>- Expected return on investment within three years due to operational efficiency.  </a:t>
+            </a:r>
+          </a:p>
+          <a:p>
+            <a:r>
+              <a:t>- Projected revenue from drone deliveries reaching $XX billion by 2030.  </a:t>
+            </a:r>
+          </a:p>
+          <a:p>
+            <a:r>
+              <a:t>- Cost savings realized through reduced ground vehicle use and fuel costs.  </a:t>
+            </a:r>
+          </a:p>
+          <a:p>
+            <a:r>
+              <a:t>- Risk assessment regarding market adaptation and regulatory changes.</a:t>
             </a:r>
           </a:p>
         </p:txBody>

--- a/generated.pptx
+++ b/generated.pptx
@@ -3134,27 +3134,27 @@
           <a:lstStyle/>
           <a:p>
             <a:r>
-              <a:t>- Rapid growth of the drone delivery market, expected to reach USD 40 billion by 2026.  </a:t>
-            </a:r>
-          </a:p>
-          <a:p>
-            <a:r>
-              <a:t>- Increasing consumer demand for faster delivery services.  </a:t>
-            </a:r>
-          </a:p>
-          <a:p>
-            <a:r>
-              <a:t>- Amazon's competitive positioning against traditional logistics.  </a:t>
-            </a:r>
-          </a:p>
-          <a:p>
-            <a:r>
-              <a:t>- Regulatory landscape evolving to facilitate drone delivery.  </a:t>
-            </a:r>
-          </a:p>
-          <a:p>
-            <a:r>
-              <a:t>- Key demographics: urban populations, tech-savvy consumers, and businesses focusing on efficiency.</a:t>
+              <a:t>- Rapid growth in e-commerce driving demand for faster delivery options  </a:t>
+            </a:r>
+          </a:p>
+          <a:p>
+            <a:r>
+              <a:t>- Drones recognized as a potentially disruptive technology in the logistics sector  </a:t>
+            </a:r>
+          </a:p>
+          <a:p>
+            <a:r>
+              <a:t>- Increasing consumer preference for convenience and speed in delivery services  </a:t>
+            </a:r>
+          </a:p>
+          <a:p>
+            <a:r>
+              <a:t>- Regulatory changes making drone deliveries more feasible in various regions  </a:t>
+            </a:r>
+          </a:p>
+          <a:p>
+            <a:r>
+              <a:t>- Competitors like UPS, DHL, and startups entering the drone delivery space</a:t>
             </a:r>
           </a:p>
         </p:txBody>
@@ -3193,7 +3193,7 @@
           <a:lstStyle/>
           <a:p>
             <a:r>
-              <a:t>Future Outlook</a:t>
+              <a:t>Future Opportunities and Expansion</a:t>
             </a:r>
           </a:p>
         </p:txBody>
@@ -3214,27 +3214,27 @@
           <a:lstStyle/>
           <a:p>
             <a:r>
-              <a:t>- Expansion plans for additional cities once successful pilots are established.  </a:t>
-            </a:r>
-          </a:p>
-          <a:p>
-            <a:r>
-              <a:t>- Continuous improvement of drone technology for increased payload capacity.  </a:t>
-            </a:r>
-          </a:p>
-          <a:p>
-            <a:r>
-              <a:t>- Potential for integration with autonomous vehicle delivery systems.  </a:t>
-            </a:r>
-          </a:p>
-          <a:p>
-            <a:r>
-              <a:t>- Anticipation of new markets emerging as legislation adapts.  </a:t>
-            </a:r>
-          </a:p>
-          <a:p>
-            <a:r>
-              <a:t>- Vision of transforming last-mile logistics through innovation and efficiency.</a:t>
+              <a:t>- Expansion into international markets with tailored regulatory approaches  </a:t>
+            </a:r>
+          </a:p>
+          <a:p>
+            <a:r>
+              <a:t>- Exploring new verticals such as medical deliveries and perishable goods  </a:t>
+            </a:r>
+          </a:p>
+          <a:p>
+            <a:r>
+              <a:t>- Continuous investment in R&amp;D for enhanced drone capabilities  </a:t>
+            </a:r>
+          </a:p>
+          <a:p>
+            <a:r>
+              <a:t>- Leveraging data insights for personalization and improved customer offerings  </a:t>
+            </a:r>
+          </a:p>
+          <a:p>
+            <a:r>
+              <a:t>- Long-term vision for integrating drone delivery into Amazon's broader logistics network</a:t>
             </a:r>
           </a:p>
         </p:txBody>
@@ -3273,7 +3273,7 @@
           <a:lstStyle/>
           <a:p>
             <a:r>
-              <a:t>Value Proposition</a:t>
+              <a:t>Target Audience</a:t>
             </a:r>
           </a:p>
         </p:txBody>
@@ -3294,27 +3294,27 @@
           <a:lstStyle/>
           <a:p>
             <a:r>
-              <a:t>- Unmatched speed: Deliver packages within 30 minutes.  </a:t>
-            </a:r>
-          </a:p>
-          <a:p>
-            <a:r>
-              <a:t>- Enhanced convenience: Doorstep delivery for urban customers.  </a:t>
-            </a:r>
-          </a:p>
-          <a:p>
-            <a:r>
-              <a:t>- Cost-effective solutions leveraging Amazon's existing logistics network.  </a:t>
-            </a:r>
-          </a:p>
-          <a:p>
-            <a:r>
-              <a:t>- Environmentally friendly option promoting reduced vehicle emissions.  </a:t>
-            </a:r>
-          </a:p>
-          <a:p>
-            <a:r>
-              <a:t>- Elevated customer experience with real-time tracking features.</a:t>
+              <a:t>- Tech-savvy consumers seeking innovative and convenient services  </a:t>
+            </a:r>
+          </a:p>
+          <a:p>
+            <a:r>
+              <a:t>- Urban residents requiring fast delivery of essential goods  </a:t>
+            </a:r>
+          </a:p>
+          <a:p>
+            <a:r>
+              <a:t>- Rural customers benefiting from reduced delivery times  </a:t>
+            </a:r>
+          </a:p>
+          <a:p>
+            <a:r>
+              <a:t>- Businesses requiring expedited shipping for documents or small packages  </a:t>
+            </a:r>
+          </a:p>
+          <a:p>
+            <a:r>
+              <a:t>- Environmental-conscious consumers valuing sustainable delivery methods</a:t>
             </a:r>
           </a:p>
         </p:txBody>
@@ -3353,7 +3353,7 @@
           <a:lstStyle/>
           <a:p>
             <a:r>
-              <a:t>Target Market Segmentation</a:t>
+              <a:t>Key Value Proposition</a:t>
             </a:r>
           </a:p>
         </p:txBody>
@@ -3374,27 +3374,27 @@
           <a:lstStyle/>
           <a:p>
             <a:r>
-              <a:t>- Urban areas with high population density.  </a:t>
-            </a:r>
-          </a:p>
-          <a:p>
-            <a:r>
-              <a:t>- Targeting tech-savvy millennials and Gen Z customers.  </a:t>
-            </a:r>
-          </a:p>
-          <a:p>
-            <a:r>
-              <a:t>- Small to medium-sized enterprises (SMEs) requiring quick delivery.  </a:t>
-            </a:r>
-          </a:p>
-          <a:p>
-            <a:r>
-              <a:t>- Focus on essential goods such as medical supplies and groceries.  </a:t>
-            </a:r>
-          </a:p>
-          <a:p>
-            <a:r>
-              <a:t>- Geographic focus: Starting pilot programs in select metropolitan areas.</a:t>
+              <a:t>- Extremely fast delivery times enhancing customer satisfaction  </a:t>
+            </a:r>
+          </a:p>
+          <a:p>
+            <a:r>
+              <a:t>- Cost-effective delivery compared to traditional methods in the long run  </a:t>
+            </a:r>
+          </a:p>
+          <a:p>
+            <a:r>
+              <a:t>- Reduced carbon footprint with electric drone technology  </a:t>
+            </a:r>
+          </a:p>
+          <a:p>
+            <a:r>
+              <a:t>- Increased accessibility for remote and underserved locations  </a:t>
+            </a:r>
+          </a:p>
+          <a:p>
+            <a:r>
+              <a:t>- Real-time tracking for customers to monitor deliveries</a:t>
             </a:r>
           </a:p>
         </p:txBody>
@@ -3433,7 +3433,7 @@
           <a:lstStyle/>
           <a:p>
             <a:r>
-              <a:t>Regulatory Challenges</a:t>
+              <a:t>Regulatory Strategy</a:t>
             </a:r>
           </a:p>
         </p:txBody>
@@ -3454,27 +3454,27 @@
           <a:lstStyle/>
           <a:p>
             <a:r>
-              <a:t>- Compliance with FAA drone regulations and local ordinances.  </a:t>
-            </a:r>
-          </a:p>
-          <a:p>
-            <a:r>
-              <a:t>- Navigating airspace restrictions over populated areas.  </a:t>
-            </a:r>
-          </a:p>
-          <a:p>
-            <a:r>
-              <a:t>- Need for public assurance regarding safety and privacy.  </a:t>
-            </a:r>
-          </a:p>
-          <a:p>
-            <a:r>
-              <a:t>- Ongoing collaboration with government bodies for rule-making.  </a:t>
-            </a:r>
-          </a:p>
-          <a:p>
-            <a:r>
-              <a:t>- Preparations for potential changes in regulations as technology evolves.</a:t>
+              <a:t>- Collaborating with FAA and other regulatory bodies to ensure compliance  </a:t>
+            </a:r>
+          </a:p>
+          <a:p>
+            <a:r>
+              <a:t>- Engaging in pilot programs to demonstrate safety and efficiency  </a:t>
+            </a:r>
+          </a:p>
+          <a:p>
+            <a:r>
+              <a:t>- Advocating for favorable regulations to promote drone delivery technology  </a:t>
+            </a:r>
+          </a:p>
+          <a:p>
+            <a:r>
+              <a:t>- Developing protocols for urban and rural drone flight operations  </a:t>
+            </a:r>
+          </a:p>
+          <a:p>
+            <a:r>
+              <a:t>- Monitoring evolving regulations and adapting strategies accordingly</a:t>
             </a:r>
           </a:p>
         </p:txBody>
@@ -3513,7 +3513,7 @@
           <a:lstStyle/>
           <a:p>
             <a:r>
-              <a:t>Technological Infrastructure</a:t>
+              <a:t>Technology Infrastructure</a:t>
             </a:r>
           </a:p>
         </p:txBody>
@@ -3534,27 +3534,27 @@
           <a:lstStyle/>
           <a:p>
             <a:r>
-              <a:t>- Innovative drone design for efficient flight and payload handling.  </a:t>
-            </a:r>
-          </a:p>
-          <a:p>
-            <a:r>
-              <a:t>- Integration of AI and machine learning for route optimization.  </a:t>
-            </a:r>
-          </a:p>
-          <a:p>
-            <a:r>
-              <a:t>- Robust tracking and monitoring systems to ensure safety.  </a:t>
-            </a:r>
-          </a:p>
-          <a:p>
-            <a:r>
-              <a:t>- Development of autonomous delivery mechanisms.  </a:t>
-            </a:r>
-          </a:p>
-          <a:p>
-            <a:r>
-              <a:t>- Continuous software updates to adapt to changing environments.</a:t>
+              <a:t>- Implementation of GPS and AI for precise navigation and delivery  </a:t>
+            </a:r>
+          </a:p>
+          <a:p>
+            <a:r>
+              <a:t>- Establishing secure real-time communication between drones and control centers  </a:t>
+            </a:r>
+          </a:p>
+          <a:p>
+            <a:r>
+              <a:t>- Data analytics for optimizing delivery routes and reducing operational costs  </a:t>
+            </a:r>
+          </a:p>
+          <a:p>
+            <a:r>
+              <a:t>- Developing a user-friendly app for customers to order and track deliveries  </a:t>
+            </a:r>
+          </a:p>
+          <a:p>
+            <a:r>
+              <a:t>- Ensuring robust cybersecurity measures to protect customer data and operations</a:t>
             </a:r>
           </a:p>
         </p:txBody>
@@ -3593,7 +3593,7 @@
           <a:lstStyle/>
           <a:p>
             <a:r>
-              <a:t>Partnership Opportunities</a:t>
+              <a:t>Partnerships and Collaborations</a:t>
             </a:r>
           </a:p>
         </p:txBody>
@@ -3614,27 +3614,27 @@
           <a:lstStyle/>
           <a:p>
             <a:r>
-              <a:t>- Collaborations with local governments for pilot programs.  </a:t>
-            </a:r>
-          </a:p>
-          <a:p>
-            <a:r>
-              <a:t>- Engaging with e-commerce partners for integrated delivery services.  </a:t>
-            </a:r>
-          </a:p>
-          <a:p>
-            <a:r>
-              <a:t>- Potential alliances with tech companies for drone tech advancements.  </a:t>
-            </a:r>
-          </a:p>
-          <a:p>
-            <a:r>
-              <a:t>- Exploring partnerships with logistics firms for last-mile delivery.  </a:t>
-            </a:r>
-          </a:p>
-          <a:p>
-            <a:r>
-              <a:t>- Community engagement to build trust and support for drone initiatives.</a:t>
+              <a:t>- Partnering with local governments for airspace management  </a:t>
+            </a:r>
+          </a:p>
+          <a:p>
+            <a:r>
+              <a:t>- Collaborating with logistics companies for warehousing and distribution  </a:t>
+            </a:r>
+          </a:p>
+          <a:p>
+            <a:r>
+              <a:t>- Engaging with technology firms for software and hardware advancements  </a:t>
+            </a:r>
+          </a:p>
+          <a:p>
+            <a:r>
+              <a:t>- Exploring partnerships with retailers for integrated delivery solutions  </a:t>
+            </a:r>
+          </a:p>
+          <a:p>
+            <a:r>
+              <a:t>- Building relationships with community stakeholders to gain support</a:t>
             </a:r>
           </a:p>
         </p:txBody>
@@ -3694,27 +3694,27 @@
           <a:lstStyle/>
           <a:p>
             <a:r>
-              <a:t>- Multi-channel marketing campaign focusing on digital platforms.  </a:t>
-            </a:r>
-          </a:p>
-          <a:p>
-            <a:r>
-              <a:t>- Targeted promotions aimed at urban consumers interested in convenience.  </a:t>
-            </a:r>
-          </a:p>
-          <a:p>
-            <a:r>
-              <a:t>- Leveraging social media influencers to increase brand awareness.  </a:t>
-            </a:r>
-          </a:p>
-          <a:p>
-            <a:r>
-              <a:t>- Educational content highlighting drone delivery benefits and safety.  </a:t>
-            </a:r>
-          </a:p>
-          <a:p>
-            <a:r>
-              <a:t>- Engagement through local events showcasing drone technology and use cases.</a:t>
+              <a:t>- Multi-channel marketing approach targeting consumers and businesses  </a:t>
+            </a:r>
+          </a:p>
+          <a:p>
+            <a:r>
+              <a:t>- Engaging social media campaigns showcasing drone delivery capabilities  </a:t>
+            </a:r>
+          </a:p>
+          <a:p>
+            <a:r>
+              <a:t>- Influencer partnerships to reach tech-savvy demographics  </a:t>
+            </a:r>
+          </a:p>
+          <a:p>
+            <a:r>
+              <a:t>- Promotions and discounts for early adopters of drone delivery services  </a:t>
+            </a:r>
+          </a:p>
+          <a:p>
+            <a:r>
+              <a:t>- Educational content outlining benefits and safety of drone deliveries</a:t>
             </a:r>
           </a:p>
         </p:txBody>
@@ -3753,7 +3753,7 @@
           <a:lstStyle/>
           <a:p>
             <a:r>
-              <a:t>Operational Logistics</a:t>
+              <a:t>Pilot Programs</a:t>
             </a:r>
           </a:p>
         </p:txBody>
@@ -3774,27 +3774,27 @@
           <a:lstStyle/>
           <a:p>
             <a:r>
-              <a:t>- Establishing drone delivery hubs in strategic locations.  </a:t>
-            </a:r>
-          </a:p>
-          <a:p>
-            <a:r>
-              <a:t>- Coordination of flights to avoid congestion and interference.  </a:t>
-            </a:r>
-          </a:p>
-          <a:p>
-            <a:r>
-              <a:t>- Integration with Amazon's existing logistics and fulfillment networks.  </a:t>
-            </a:r>
-          </a:p>
-          <a:p>
-            <a:r>
-              <a:t>- Building a fleet of drones capable of variable payloads and distances.  </a:t>
-            </a:r>
-          </a:p>
-          <a:p>
-            <a:r>
-              <a:t>- Implementation of robust customer support systems to handle inquiries.</a:t>
+              <a:t>- Selecting key urban and rural locations for initial drone delivery trials  </a:t>
+            </a:r>
+          </a:p>
+          <a:p>
+            <a:r>
+              <a:t>- Conducting metrics-driven assessments of drone performance and customer feedback  </a:t>
+            </a:r>
+          </a:p>
+          <a:p>
+            <a:r>
+              <a:t>- Iterating on operations based on pilot program results to improve efficiency  </a:t>
+            </a:r>
+          </a:p>
+          <a:p>
+            <a:r>
+              <a:t>- Gathering data to influence regulatory discussions and future expansions  </a:t>
+            </a:r>
+          </a:p>
+          <a:p>
+            <a:r>
+              <a:t>- Building community awareness and excitement through launch events</a:t>
             </a:r>
           </a:p>
         </p:txBody>
@@ -3854,27 +3854,27 @@
           <a:lstStyle/>
           <a:p>
             <a:r>
-              <a:t>- Initial investment for drone technology and infrastructure estimated at $XX million.  </a:t>
-            </a:r>
-          </a:p>
-          <a:p>
-            <a:r>
-              <a:t>- Expected return on investment within three years due to operational efficiency.  </a:t>
-            </a:r>
-          </a:p>
-          <a:p>
-            <a:r>
-              <a:t>- Projected revenue from drone deliveries reaching $XX billion by 2030.  </a:t>
-            </a:r>
-          </a:p>
-          <a:p>
-            <a:r>
-              <a:t>- Cost savings realized through reduced ground vehicle use and fuel costs.  </a:t>
-            </a:r>
-          </a:p>
-          <a:p>
-            <a:r>
-              <a:t>- Risk assessment regarding market adaptation and regulatory changes.</a:t>
+              <a:t>- Estimated reduction in last-mile delivery costs through drone technology  </a:t>
+            </a:r>
+          </a:p>
+          <a:p>
+            <a:r>
+              <a:t>- Projected market share capture within the first 5 years of launch  </a:t>
+            </a:r>
+          </a:p>
+          <a:p>
+            <a:r>
+              <a:t>- Breakdown of initial investment compared to long-term ROI  </a:t>
+            </a:r>
+          </a:p>
+          <a:p>
+            <a:r>
+              <a:t>- Forecasting revenue growth driven by consumer adoption rates  </a:t>
+            </a:r>
+          </a:p>
+          <a:p>
+            <a:r>
+              <a:t>- Identifying cost-saving opportunities through operations optimization</a:t>
             </a:r>
           </a:p>
         </p:txBody>
